--- a/slides/BA_Thesis_slides_FR_JKUEcon_2023.pptx
+++ b/slides/BA_Thesis_slides_FR_JKUEcon_2023.pptx
@@ -252,7 +252,7 @@
       <p15:sldGuideLst xmlns:p15="http://schemas.microsoft.com/office/powerpoint/2012/main"/>
     </p:ext>
     <p:ext uri="GoogleSlidesCustomDataVersion2">
-      <go:slidesCustomData xmlns="" xmlns:mc="http://schemas.openxmlformats.org/markup-compatibility/2006" xmlns:mv="urn:schemas-microsoft-com:mac:vml" xmlns:c="http://schemas.openxmlformats.org/drawingml/2006/chart" xmlns:dgm="http://schemas.openxmlformats.org/drawingml/2006/diagram" xmlns:o="urn:schemas-microsoft-com:office:office" xmlns:v="urn:schemas-microsoft-com:vml" xmlns:pvml="urn:schemas-microsoft-com:office:powerpoint" xmlns:com="http://schemas.openxmlformats.org/drawingml/2006/compatibility" xmlns:p14="http://schemas.microsoft.com/office/powerpoint/2010/main" xmlns:p15="http://schemas.microsoft.com/office/powerpoint/2012/main" xmlns:ahyp="http://schemas.microsoft.com/office/drawing/2018/hyperlinkcolor" xmlns:go="http://customooxmlschemas.google.com/" r:id="rId12" roundtripDataSignature="AMtx7mjVS1bOZO8G6Ym1USWN5QeNyJImAA=="/>
+      <go:slidesCustomData xmlns:go="http://customooxmlschemas.google.com/" xmlns:ahyp="http://schemas.microsoft.com/office/drawing/2018/hyperlinkcolor" xmlns:p15="http://schemas.microsoft.com/office/powerpoint/2012/main" xmlns:p14="http://schemas.microsoft.com/office/powerpoint/2010/main" xmlns:com="http://schemas.openxmlformats.org/drawingml/2006/compatibility" xmlns:pvml="urn:schemas-microsoft-com:office:powerpoint" xmlns:v="urn:schemas-microsoft-com:vml" xmlns:o="urn:schemas-microsoft-com:office:office" xmlns:dgm="http://schemas.openxmlformats.org/drawingml/2006/diagram" xmlns:c="http://schemas.openxmlformats.org/drawingml/2006/chart" xmlns:mv="urn:schemas-microsoft-com:mac:vml" xmlns:mc="http://schemas.openxmlformats.org/markup-compatibility/2006" xmlns="" r:id="rId12" roundtripDataSignature="AMtx7mjVS1bOZO8G6Ym1USWN5QeNyJImAA=="/>
     </p:ext>
   </p:extLst>
 </p:presentation>
